--- a/Group 7_PPT.pptx
+++ b/Group 7_PPT.pptx
@@ -212,7 +212,7 @@
           <a:p>
             <a:fld id="{6625A3C9-B04A-5442-A52B-6A15432CBDFA}" type="datetimeFigureOut">
               <a:rPr lang="en-US" smtClean="0"/>
-              <a:t>2/13/23</a:t>
+              <a:t>2/14/2023</a:t>
             </a:fld>
             <a:endParaRPr lang="en-US" dirty="0"/>
           </a:p>
@@ -1427,7 +1427,7 @@
           <a:p>
             <a:fld id="{85508C55-9CE1-164A-95A9-4EC692FB5E24}" type="datetime1">
               <a:rPr lang="en-US" smtClean="0"/>
-              <a:t>2/13/23</a:t>
+              <a:t>2/14/2023</a:t>
             </a:fld>
             <a:endParaRPr lang="en-US" dirty="0"/>
           </a:p>
@@ -2166,7 +2166,7 @@
           <a:p>
             <a:fld id="{04EABE68-C4B6-D24C-8D78-F690645F36AF}" type="datetime1">
               <a:rPr lang="en-US" smtClean="0"/>
-              <a:t>2/13/23</a:t>
+              <a:t>2/14/2023</a:t>
             </a:fld>
             <a:endParaRPr lang="en-US" dirty="0"/>
           </a:p>
@@ -2745,7 +2745,7 @@
           <a:p>
             <a:fld id="{558950F4-07C4-834F-A230-5DFF0C8EBAE3}" type="datetime1">
               <a:rPr lang="en-US" smtClean="0"/>
-              <a:t>2/13/23</a:t>
+              <a:t>2/14/2023</a:t>
             </a:fld>
             <a:endParaRPr lang="en-US" dirty="0"/>
           </a:p>
@@ -3294,7 +3294,7 @@
           <a:p>
             <a:fld id="{0A7B79E4-B97F-FB42-B791-7FC277B0A69D}" type="datetime1">
               <a:rPr lang="en-US" smtClean="0"/>
-              <a:t>2/13/23</a:t>
+              <a:t>2/14/2023</a:t>
             </a:fld>
             <a:endParaRPr lang="en-US" dirty="0"/>
           </a:p>
@@ -3997,7 +3997,7 @@
           <a:p>
             <a:fld id="{5004A8AF-3166-044D-8712-ACF9B2CB3AEE}" type="datetime1">
               <a:rPr lang="en-US" smtClean="0"/>
-              <a:t>2/13/23</a:t>
+              <a:t>2/14/2023</a:t>
             </a:fld>
             <a:endParaRPr lang="en-US" dirty="0"/>
           </a:p>
@@ -5105,7 +5105,7 @@
           <a:p>
             <a:fld id="{2E74BC19-9A50-434A-B6C6-8443BCEF4D2C}" type="datetime1">
               <a:rPr lang="en-US" smtClean="0"/>
-              <a:t>2/13/23</a:t>
+              <a:t>2/14/2023</a:t>
             </a:fld>
             <a:endParaRPr lang="en-US" dirty="0"/>
           </a:p>
@@ -5348,7 +5348,7 @@
           <a:p>
             <a:fld id="{65D9F640-EA82-A543-89EC-580E11A1B194}" type="datetime1">
               <a:rPr lang="en-US" smtClean="0"/>
-              <a:t>2/13/23</a:t>
+              <a:t>2/14/2023</a:t>
             </a:fld>
             <a:endParaRPr lang="en-US" dirty="0"/>
           </a:p>
@@ -8630,7 +8630,7 @@
         </p:nvSpPr>
         <p:spPr>
           <a:xfrm>
-            <a:off x="9772153" y="105765"/>
+            <a:off x="9764202" y="330877"/>
             <a:ext cx="2411896" cy="3501681"/>
           </a:xfrm>
           <a:prstGeom prst="rect">
@@ -8666,7 +8666,7 @@
           <a:lstStyle/>
           <a:p>
             <a:pPr algn="ctr"/>
-            <a:endParaRPr lang="en-US"/>
+            <a:endParaRPr lang="en-US" dirty="0"/>
           </a:p>
         </p:txBody>
       </p:sp>
@@ -8688,7 +8688,7 @@
         </p:nvSpPr>
         <p:spPr>
           <a:xfrm>
-            <a:off x="9772153" y="81916"/>
+            <a:off x="9918203" y="1393405"/>
             <a:ext cx="1908313" cy="1117600"/>
           </a:xfrm>
         </p:spPr>
@@ -8698,7 +8698,53 @@
           <a:p>
             <a:r>
               <a:rPr lang="en-US" dirty="0"/>
-              <a:t>PLACEHOLDER</a:t>
+              <a:t>Regression plots show strong correlation between Trip Distance and fare as expected. The following are the r Values:</a:t>
+            </a:r>
+          </a:p>
+          <a:p>
+            <a:pPr marL="171450" indent="-171450">
+              <a:buFontTx/>
+              <a:buChar char="-"/>
+            </a:pPr>
+            <a:r>
+              <a:rPr lang="en-US" dirty="0"/>
+              <a:t>Clear weather: 0.78</a:t>
+            </a:r>
+          </a:p>
+          <a:p>
+            <a:pPr marL="171450" indent="-171450">
+              <a:buFontTx/>
+              <a:buChar char="-"/>
+            </a:pPr>
+            <a:r>
+              <a:rPr lang="en-US" dirty="0"/>
+              <a:t>Cloudy weather: 0.82</a:t>
+            </a:r>
+          </a:p>
+          <a:p>
+            <a:pPr marL="171450" indent="-171450">
+              <a:buFontTx/>
+              <a:buChar char="-"/>
+            </a:pPr>
+            <a:r>
+              <a:rPr lang="en-US" dirty="0"/>
+              <a:t>Snowy weather: 0.85</a:t>
+            </a:r>
+          </a:p>
+          <a:p>
+            <a:pPr marL="171450" indent="-171450">
+              <a:buFontTx/>
+              <a:buChar char="-"/>
+            </a:pPr>
+            <a:r>
+              <a:rPr lang="en-US" dirty="0"/>
+              <a:t>Rainy weather: 0.82</a:t>
+            </a:r>
+          </a:p>
+          <a:p>
+            <a:r>
+              <a:rPr lang="en-US" dirty="0"/>
+              <a:t>This suggests prices might be higher during Cloudy, Snowy and Rainy weather. Further statistical analysis follows</a:t>
             </a:r>
           </a:p>
         </p:txBody>
@@ -8784,8 +8830,8 @@
         </p:nvSpPr>
         <p:spPr>
           <a:xfrm>
-            <a:off x="5281547" y="1741041"/>
-            <a:ext cx="3584575" cy="1117600"/>
+            <a:off x="5528603" y="2523374"/>
+            <a:ext cx="3584575" cy="792916"/>
           </a:xfrm>
         </p:spPr>
         <p:txBody>
@@ -8793,8 +8839,34 @@
           <a:lstStyle/>
           <a:p>
             <a:r>
-              <a:rPr lang="en-US" dirty="0"/>
-              <a:t>NULL HYPOTHESIS</a:t>
+              <a:rPr lang="en-US" sz="800" dirty="0"/>
+              <a:t>NULL HYPOTHESIS: There is no Statistically significant effect of Weather Type on Average Fare Amount and Average Trip Distance</a:t>
+            </a:r>
+          </a:p>
+          <a:p>
+            <a:r>
+              <a:rPr lang="en-US" sz="800" dirty="0"/>
+              <a:t>We Carried out </a:t>
+            </a:r>
+            <a:r>
+              <a:rPr lang="en-US" sz="800" dirty="0" err="1"/>
+              <a:t>anova</a:t>
+            </a:r>
+            <a:r>
+              <a:rPr lang="en-US" sz="800" dirty="0"/>
+              <a:t> tests between the various weather types with regard to Average fare and average distance</a:t>
+            </a:r>
+          </a:p>
+          <a:p>
+            <a:r>
+              <a:rPr lang="en-US" sz="800" dirty="0"/>
+              <a:t>P-Value for average fare: 0.92</a:t>
+            </a:r>
+          </a:p>
+          <a:p>
+            <a:r>
+              <a:rPr lang="en-US" sz="800" dirty="0"/>
+              <a:t>P-Value for average distance: 0.92</a:t>
             </a:r>
           </a:p>
         </p:txBody>
@@ -8821,8 +8893,8 @@
         </p:blipFill>
         <p:spPr>
           <a:xfrm>
-            <a:off x="0" y="1328199"/>
-            <a:ext cx="5036109" cy="2158332"/>
+            <a:off x="0" y="1213022"/>
+            <a:ext cx="5036109" cy="2469978"/>
           </a:xfrm>
           <a:prstGeom prst="rect">
             <a:avLst/>
@@ -8880,7 +8952,7 @@
         </p:blipFill>
         <p:spPr>
           <a:xfrm>
-            <a:off x="5375083" y="48039"/>
+            <a:off x="5375083" y="8755"/>
             <a:ext cx="4303534" cy="1844371"/>
           </a:xfrm>
           <a:prstGeom prst="rect">
@@ -8967,7 +9039,7 @@
           <a:lstStyle/>
           <a:p>
             <a:pPr algn="ctr"/>
-            <a:endParaRPr lang="en-US"/>
+            <a:endParaRPr lang="en-US" dirty="0"/>
           </a:p>
         </p:txBody>
       </p:sp>
@@ -8987,7 +9059,7 @@
         </p:nvSpPr>
         <p:spPr>
           <a:xfrm>
-            <a:off x="9835763" y="2398"/>
+            <a:off x="9893258" y="1213021"/>
             <a:ext cx="1908313" cy="1117600"/>
           </a:xfrm>
           <a:prstGeom prst="rect">
@@ -9165,7 +9237,21 @@
           <a:p>
             <a:r>
               <a:rPr lang="en-US" dirty="0"/>
-              <a:t>CONCLUSION</a:t>
+              <a:t>CONCLUSION: The </a:t>
+            </a:r>
+            <a:r>
+              <a:rPr lang="en-US" dirty="0" err="1"/>
+              <a:t>anova</a:t>
+            </a:r>
+            <a:r>
+              <a:rPr lang="en-US" dirty="0"/>
+              <a:t> tests returned p-Values greater than 0.05 for the different Groupings of weather types for both average fare and average trip distance.</a:t>
+            </a:r>
+          </a:p>
+          <a:p>
+            <a:r>
+              <a:rPr lang="en-US" dirty="0"/>
+              <a:t>We could not reject the null hypothesis/establish a firm link between weather type and fare amount or trip distance.</a:t>
             </a:r>
           </a:p>
         </p:txBody>
@@ -10394,26 +10480,6 @@
 </file>
 
 <file path=customXml/item1.xml><?xml version="1.0" encoding="utf-8"?>
-<p:properties xmlns:p="http://schemas.microsoft.com/office/2006/metadata/properties" xmlns:xsi="http://www.w3.org/2001/XMLSchema-instance" xmlns:pc="http://schemas.microsoft.com/office/infopath/2007/PartnerControls">
-  <documentManagement>
-    <_ip_UnifiedCompliancePolicyUIAction xmlns="http://schemas.microsoft.com/sharepoint/v3" xsi:nil="true"/>
-    <Image xmlns="71af3243-3dd4-4a8d-8c0d-dd76da1f02a5">
-      <Url xsi:nil="true"/>
-      <Description xsi:nil="true"/>
-    </Image>
-    <Status xmlns="71af3243-3dd4-4a8d-8c0d-dd76da1f02a5">Not started</Status>
-    <Background xmlns="71af3243-3dd4-4a8d-8c0d-dd76da1f02a5">false</Background>
-    <_ip_UnifiedCompliancePolicyProperties xmlns="http://schemas.microsoft.com/sharepoint/v3" xsi:nil="true"/>
-    <ImageTagsTaxHTField xmlns="71af3243-3dd4-4a8d-8c0d-dd76da1f02a5">
-      <Terms xmlns="http://schemas.microsoft.com/office/infopath/2007/PartnerControls"/>
-    </ImageTagsTaxHTField>
-    <TaxCatchAll xmlns="230e9df3-be65-4c73-a93b-d1236ebd677e" xsi:nil="true"/>
-    <MediaServiceKeyPoints xmlns="71af3243-3dd4-4a8d-8c0d-dd76da1f02a5" xsi:nil="true"/>
-  </documentManagement>
-</p:properties>
-</file>
-
-<file path=customXml/item2.xml><?xml version="1.0" encoding="utf-8"?>
 <ct:contentTypeSchema xmlns:ct="http://schemas.microsoft.com/office/2006/metadata/contentType" xmlns:ma="http://schemas.microsoft.com/office/2006/metadata/properties/metaAttributes" ct:_="" ma:_="" ma:contentTypeName="Document" ma:contentTypeID="0x01010079F111ED35F8CC479449609E8A0923A6" ma:contentTypeVersion="26" ma:contentTypeDescription="Create a new document." ma:contentTypeScope="" ma:versionID="ac37c1753acd5e330d2062ccec26ea66">
   <xsd:schema xmlns:xsd="http://www.w3.org/2001/XMLSchema" xmlns:xs="http://www.w3.org/2001/XMLSchema" xmlns:p="http://schemas.microsoft.com/office/2006/metadata/properties" xmlns:ns1="http://schemas.microsoft.com/sharepoint/v3" xmlns:ns2="71af3243-3dd4-4a8d-8c0d-dd76da1f02a5" xmlns:ns3="16c05727-aa75-4e4a-9b5f-8a80a1165891" xmlns:ns4="230e9df3-be65-4c73-a93b-d1236ebd677e" targetNamespace="http://schemas.microsoft.com/office/2006/metadata/properties" ma:root="true" ma:fieldsID="3b340c7101c92c5120abd06486f94548" ns1:_="" ns2:_="" ns3:_="" ns4:_="">
     <xsd:import namespace="http://schemas.microsoft.com/sharepoint/v3"/>
@@ -10713,6 +10779,26 @@
 </ct:contentTypeSchema>
 </file>
 
+<file path=customXml/item2.xml><?xml version="1.0" encoding="utf-8"?>
+<p:properties xmlns:p="http://schemas.microsoft.com/office/2006/metadata/properties" xmlns:xsi="http://www.w3.org/2001/XMLSchema-instance" xmlns:pc="http://schemas.microsoft.com/office/infopath/2007/PartnerControls">
+  <documentManagement>
+    <_ip_UnifiedCompliancePolicyUIAction xmlns="http://schemas.microsoft.com/sharepoint/v3" xsi:nil="true"/>
+    <Image xmlns="71af3243-3dd4-4a8d-8c0d-dd76da1f02a5">
+      <Url xsi:nil="true"/>
+      <Description xsi:nil="true"/>
+    </Image>
+    <Status xmlns="71af3243-3dd4-4a8d-8c0d-dd76da1f02a5">Not started</Status>
+    <Background xmlns="71af3243-3dd4-4a8d-8c0d-dd76da1f02a5">false</Background>
+    <_ip_UnifiedCompliancePolicyProperties xmlns="http://schemas.microsoft.com/sharepoint/v3" xsi:nil="true"/>
+    <ImageTagsTaxHTField xmlns="71af3243-3dd4-4a8d-8c0d-dd76da1f02a5">
+      <Terms xmlns="http://schemas.microsoft.com/office/infopath/2007/PartnerControls"/>
+    </ImageTagsTaxHTField>
+    <TaxCatchAll xmlns="230e9df3-be65-4c73-a93b-d1236ebd677e" xsi:nil="true"/>
+    <MediaServiceKeyPoints xmlns="71af3243-3dd4-4a8d-8c0d-dd76da1f02a5" xsi:nil="true"/>
+  </documentManagement>
+</p:properties>
+</file>
+
 <file path=customXml/item3.xml><?xml version="1.0" encoding="utf-8"?>
 <?mso-contentType ?>
 <FormTemplates xmlns="http://schemas.microsoft.com/sharepoint/v3/contenttype/forms">
@@ -10723,18 +10809,6 @@
 </file>
 
 <file path=customXml/itemProps1.xml><?xml version="1.0" encoding="utf-8"?>
-<ds:datastoreItem xmlns:ds="http://schemas.openxmlformats.org/officeDocument/2006/customXml" ds:itemID="{69647463-BB85-435C-ACAF-E187D6AD5544}">
-  <ds:schemaRefs>
-    <ds:schemaRef ds:uri="http://schemas.microsoft.com/office/2006/metadata/properties"/>
-    <ds:schemaRef ds:uri="http://schemas.microsoft.com/office/infopath/2007/PartnerControls"/>
-    <ds:schemaRef ds:uri="http://schemas.microsoft.com/sharepoint/v3"/>
-    <ds:schemaRef ds:uri="71af3243-3dd4-4a8d-8c0d-dd76da1f02a5"/>
-    <ds:schemaRef ds:uri="230e9df3-be65-4c73-a93b-d1236ebd677e"/>
-  </ds:schemaRefs>
-</ds:datastoreItem>
-</file>
-
-<file path=customXml/itemProps2.xml><?xml version="1.0" encoding="utf-8"?>
 <ds:datastoreItem xmlns:ds="http://schemas.openxmlformats.org/officeDocument/2006/customXml" ds:itemID="{9DAB7211-A234-4C14-A897-00A0068F7BC1}">
   <ds:schemaRefs>
     <ds:schemaRef ds:uri="http://schemas.microsoft.com/office/2006/metadata/contentType"/>
@@ -10755,6 +10829,18 @@
 </ds:datastoreItem>
 </file>
 
+<file path=customXml/itemProps2.xml><?xml version="1.0" encoding="utf-8"?>
+<ds:datastoreItem xmlns:ds="http://schemas.openxmlformats.org/officeDocument/2006/customXml" ds:itemID="{69647463-BB85-435C-ACAF-E187D6AD5544}">
+  <ds:schemaRefs>
+    <ds:schemaRef ds:uri="http://schemas.microsoft.com/office/2006/metadata/properties"/>
+    <ds:schemaRef ds:uri="http://schemas.microsoft.com/office/infopath/2007/PartnerControls"/>
+    <ds:schemaRef ds:uri="http://schemas.microsoft.com/sharepoint/v3"/>
+    <ds:schemaRef ds:uri="71af3243-3dd4-4a8d-8c0d-dd76da1f02a5"/>
+    <ds:schemaRef ds:uri="230e9df3-be65-4c73-a93b-d1236ebd677e"/>
+  </ds:schemaRefs>
+</ds:datastoreItem>
+</file>
+
 <file path=customXml/itemProps3.xml><?xml version="1.0" encoding="utf-8"?>
 <ds:datastoreItem xmlns:ds="http://schemas.openxmlformats.org/officeDocument/2006/customXml" ds:itemID="{49688DC5-792D-46CC-A1E4-D79B0E835122}">
   <ds:schemaRefs>

--- a/Group 7_PPT.pptx
+++ b/Group 7_PPT.pptx
@@ -128,6 +128,14 @@
 <p:cmAuthorLst xmlns:a="http://schemas.openxmlformats.org/drawingml/2006/main" xmlns:r="http://schemas.openxmlformats.org/officeDocument/2006/relationships" xmlns:p="http://schemas.openxmlformats.org/presentationml/2006/main">
   <p:cmAuthor id="2" name="Author" initials="A" lastIdx="0" clrIdx="1"/>
 </p:cmAuthorLst>
+</file>
+
+<file path=ppt/revisionInfo.xml><?xml version="1.0" encoding="utf-8"?>
+<p1510:revInfo xmlns:a="http://schemas.openxmlformats.org/drawingml/2006/main" xmlns:r="http://schemas.openxmlformats.org/officeDocument/2006/relationships" xmlns:p1510="http://schemas.microsoft.com/office/powerpoint/2015/10/main">
+  <p1510:revLst>
+    <p1510:client id="{395289AE-D60C-4FDC-9110-75041A573C51}" v="3" dt="2023-02-14T20:24:56.041"/>
+  </p1510:revLst>
+</p1510:revInfo>
 </file>
 
 <file path=ppt/notesMasters/notesMaster1.xml><?xml version="1.0" encoding="utf-8"?>
@@ -9476,10 +9484,229 @@
       </p:pic>
       <p:sp>
         <p:nvSpPr>
-          <p:cNvPr id="20" name="Text Placeholder 2">
-            <a:extLst>
-              <a:ext uri="{FF2B5EF4-FFF2-40B4-BE49-F238E27FC236}">
-                <a16:creationId xmlns:a16="http://schemas.microsoft.com/office/drawing/2014/main" id="{D5BC996D-5D2B-3FD9-BFB7-1A77BBA33EDA}"/>
+          <p:cNvPr id="3" name="Text Placeholder 2">
+            <a:extLst>
+              <a:ext uri="{FF2B5EF4-FFF2-40B4-BE49-F238E27FC236}">
+                <a16:creationId xmlns:a16="http://schemas.microsoft.com/office/drawing/2014/main" id="{8E8B4B86-2FC9-9E75-B36B-8EF3132A5762}"/>
+              </a:ext>
+            </a:extLst>
+          </p:cNvPr>
+          <p:cNvSpPr txBox="1">
+            <a:spLocks/>
+          </p:cNvSpPr>
+          <p:nvPr/>
+        </p:nvSpPr>
+        <p:spPr>
+          <a:xfrm>
+            <a:off x="141765" y="3769776"/>
+            <a:ext cx="3945205" cy="637821"/>
+          </a:xfrm>
+          <a:prstGeom prst="rect">
+            <a:avLst/>
+          </a:prstGeom>
+        </p:spPr>
+        <p:txBody>
+          <a:bodyPr vert="horz" lIns="91440" tIns="45720" rIns="91440" bIns="45720" rtlCol="0" anchor="ctr">
+            <a:noAutofit/>
+          </a:bodyPr>
+          <a:lstStyle>
+            <a:lvl1pPr marL="0" indent="0" algn="l" defTabSz="914400" rtl="0" eaLnBrk="1" latinLnBrk="0" hangingPunct="1">
+              <a:lnSpc>
+                <a:spcPct val="150000"/>
+              </a:lnSpc>
+              <a:spcBef>
+                <a:spcPts val="1000"/>
+              </a:spcBef>
+              <a:buFont typeface="Arial" panose="020B0604020202020204" pitchFamily="34" charset="0"/>
+              <a:buNone/>
+              <a:defRPr sz="900" kern="1200" cap="all" spc="100" baseline="0">
+                <a:solidFill>
+                  <a:schemeClr val="accent3">
+                    <a:lumMod val="75000"/>
+                  </a:schemeClr>
+                </a:solidFill>
+                <a:latin typeface="+mn-lt"/>
+                <a:ea typeface="+mn-ea"/>
+                <a:cs typeface="+mn-cs"/>
+              </a:defRPr>
+            </a:lvl1pPr>
+            <a:lvl2pPr marL="457200" indent="0" algn="l" defTabSz="914400" rtl="0" eaLnBrk="1" latinLnBrk="0" hangingPunct="1">
+              <a:lnSpc>
+                <a:spcPct val="90000"/>
+              </a:lnSpc>
+              <a:spcBef>
+                <a:spcPts val="500"/>
+              </a:spcBef>
+              <a:buFont typeface="Arial" panose="020B0604020202020204" pitchFamily="34" charset="0"/>
+              <a:buNone/>
+              <a:defRPr sz="900" kern="1200">
+                <a:solidFill>
+                  <a:schemeClr val="tx1"/>
+                </a:solidFill>
+                <a:latin typeface="+mn-lt"/>
+                <a:ea typeface="+mn-ea"/>
+                <a:cs typeface="+mn-cs"/>
+              </a:defRPr>
+            </a:lvl2pPr>
+            <a:lvl3pPr marL="914400" indent="0" algn="l" defTabSz="914400" rtl="0" eaLnBrk="1" latinLnBrk="0" hangingPunct="1">
+              <a:lnSpc>
+                <a:spcPct val="90000"/>
+              </a:lnSpc>
+              <a:spcBef>
+                <a:spcPts val="500"/>
+              </a:spcBef>
+              <a:buFont typeface="Arial" panose="020B0604020202020204" pitchFamily="34" charset="0"/>
+              <a:buNone/>
+              <a:defRPr sz="900" kern="1200">
+                <a:solidFill>
+                  <a:schemeClr val="tx1"/>
+                </a:solidFill>
+                <a:latin typeface="+mn-lt"/>
+                <a:ea typeface="+mn-ea"/>
+                <a:cs typeface="+mn-cs"/>
+              </a:defRPr>
+            </a:lvl3pPr>
+            <a:lvl4pPr marL="1371600" indent="0" algn="l" defTabSz="914400" rtl="0" eaLnBrk="1" latinLnBrk="0" hangingPunct="1">
+              <a:lnSpc>
+                <a:spcPct val="90000"/>
+              </a:lnSpc>
+              <a:spcBef>
+                <a:spcPts val="500"/>
+              </a:spcBef>
+              <a:buFont typeface="Arial" panose="020B0604020202020204" pitchFamily="34" charset="0"/>
+              <a:buNone/>
+              <a:defRPr sz="900" kern="1200">
+                <a:solidFill>
+                  <a:schemeClr val="tx1"/>
+                </a:solidFill>
+                <a:latin typeface="+mn-lt"/>
+                <a:ea typeface="+mn-ea"/>
+                <a:cs typeface="+mn-cs"/>
+              </a:defRPr>
+            </a:lvl4pPr>
+            <a:lvl5pPr marL="1828800" indent="0" algn="l" defTabSz="914400" rtl="0" eaLnBrk="1" latinLnBrk="0" hangingPunct="1">
+              <a:lnSpc>
+                <a:spcPct val="90000"/>
+              </a:lnSpc>
+              <a:spcBef>
+                <a:spcPts val="500"/>
+              </a:spcBef>
+              <a:buFont typeface="Arial" panose="020B0604020202020204" pitchFamily="34" charset="0"/>
+              <a:buNone/>
+              <a:defRPr sz="900" kern="1200">
+                <a:solidFill>
+                  <a:schemeClr val="tx1"/>
+                </a:solidFill>
+                <a:latin typeface="+mn-lt"/>
+                <a:ea typeface="+mn-ea"/>
+                <a:cs typeface="+mn-cs"/>
+              </a:defRPr>
+            </a:lvl5pPr>
+            <a:lvl6pPr marL="2514600" indent="-228600" algn="l" defTabSz="914400" rtl="0" eaLnBrk="1" latinLnBrk="0" hangingPunct="1">
+              <a:lnSpc>
+                <a:spcPct val="90000"/>
+              </a:lnSpc>
+              <a:spcBef>
+                <a:spcPts val="500"/>
+              </a:spcBef>
+              <a:buFont typeface="Arial" panose="020B0604020202020204" pitchFamily="34" charset="0"/>
+              <a:buChar char="•"/>
+              <a:defRPr sz="1800" kern="1200">
+                <a:solidFill>
+                  <a:schemeClr val="tx1"/>
+                </a:solidFill>
+                <a:latin typeface="+mn-lt"/>
+                <a:ea typeface="+mn-ea"/>
+                <a:cs typeface="+mn-cs"/>
+              </a:defRPr>
+            </a:lvl6pPr>
+            <a:lvl7pPr marL="2971800" indent="-228600" algn="l" defTabSz="914400" rtl="0" eaLnBrk="1" latinLnBrk="0" hangingPunct="1">
+              <a:lnSpc>
+                <a:spcPct val="90000"/>
+              </a:lnSpc>
+              <a:spcBef>
+                <a:spcPts val="500"/>
+              </a:spcBef>
+              <a:buFont typeface="Arial" panose="020B0604020202020204" pitchFamily="34" charset="0"/>
+              <a:buChar char="•"/>
+              <a:defRPr sz="1800" kern="1200">
+                <a:solidFill>
+                  <a:schemeClr val="tx1"/>
+                </a:solidFill>
+                <a:latin typeface="+mn-lt"/>
+                <a:ea typeface="+mn-ea"/>
+                <a:cs typeface="+mn-cs"/>
+              </a:defRPr>
+            </a:lvl7pPr>
+            <a:lvl8pPr marL="3429000" indent="-228600" algn="l" defTabSz="914400" rtl="0" eaLnBrk="1" latinLnBrk="0" hangingPunct="1">
+              <a:lnSpc>
+                <a:spcPct val="90000"/>
+              </a:lnSpc>
+              <a:spcBef>
+                <a:spcPts val="500"/>
+              </a:spcBef>
+              <a:buFont typeface="Arial" panose="020B0604020202020204" pitchFamily="34" charset="0"/>
+              <a:buChar char="•"/>
+              <a:defRPr sz="1800" kern="1200">
+                <a:solidFill>
+                  <a:schemeClr val="tx1"/>
+                </a:solidFill>
+                <a:latin typeface="+mn-lt"/>
+                <a:ea typeface="+mn-ea"/>
+                <a:cs typeface="+mn-cs"/>
+              </a:defRPr>
+            </a:lvl8pPr>
+            <a:lvl9pPr marL="3886200" indent="-228600" algn="l" defTabSz="914400" rtl="0" eaLnBrk="1" latinLnBrk="0" hangingPunct="1">
+              <a:lnSpc>
+                <a:spcPct val="90000"/>
+              </a:lnSpc>
+              <a:spcBef>
+                <a:spcPts val="500"/>
+              </a:spcBef>
+              <a:buFont typeface="Arial" panose="020B0604020202020204" pitchFamily="34" charset="0"/>
+              <a:buChar char="•"/>
+              <a:defRPr sz="1800" kern="1200">
+                <a:solidFill>
+                  <a:schemeClr val="tx1"/>
+                </a:solidFill>
+                <a:latin typeface="+mn-lt"/>
+                <a:ea typeface="+mn-ea"/>
+                <a:cs typeface="+mn-cs"/>
+              </a:defRPr>
+            </a:lvl9pPr>
+          </a:lstStyle>
+          <a:p>
+            <a:endParaRPr lang="en-US" dirty="0"/>
+          </a:p>
+          <a:p>
+            <a:r>
+              <a:rPr lang="en-US" dirty="0"/>
+              <a:t>We decided to plot a dual axis chart to analyze the trend between fare and distance as per the Time intervals. </a:t>
+            </a:r>
+          </a:p>
+          <a:p>
+            <a:endParaRPr lang="en-US" dirty="0"/>
+          </a:p>
+          <a:p>
+            <a:r>
+              <a:rPr lang="en-US" dirty="0"/>
+              <a:t>The Graph indicates that there is a trend between the two variables. </a:t>
+            </a:r>
+          </a:p>
+          <a:p>
+            <a:endParaRPr lang="en-US" dirty="0"/>
+          </a:p>
+          <a:p>
+            <a:endParaRPr lang="en-US" dirty="0"/>
+          </a:p>
+        </p:txBody>
+      </p:sp>
+      <p:sp>
+        <p:nvSpPr>
+          <p:cNvPr id="5" name="Text Placeholder 4">
+            <a:extLst>
+              <a:ext uri="{FF2B5EF4-FFF2-40B4-BE49-F238E27FC236}">
+                <a16:creationId xmlns:a16="http://schemas.microsoft.com/office/drawing/2014/main" id="{C7DF3FBD-4720-9147-BF36-539A8172345C}"/>
               </a:ext>
             </a:extLst>
           </p:cNvPr>
@@ -9490,29 +9717,233 @@
             <p:ph type="body" sz="quarter" idx="13"/>
           </p:nvPr>
         </p:nvSpPr>
-        <p:spPr>
-          <a:xfrm>
-            <a:off x="122413" y="4543737"/>
-            <a:ext cx="3047014" cy="1650328"/>
-          </a:xfrm>
-        </p:spPr>
+        <p:spPr/>
         <p:txBody>
           <a:bodyPr/>
           <a:lstStyle/>
           <a:p>
+            <a:endParaRPr lang="en-CA"/>
+          </a:p>
+        </p:txBody>
+      </p:sp>
+      <p:sp>
+        <p:nvSpPr>
+          <p:cNvPr id="6" name="Text Placeholder 2">
+            <a:extLst>
+              <a:ext uri="{FF2B5EF4-FFF2-40B4-BE49-F238E27FC236}">
+                <a16:creationId xmlns:a16="http://schemas.microsoft.com/office/drawing/2014/main" id="{1FE57EF9-2FC7-2C84-EA39-5A9A5F57D768}"/>
+              </a:ext>
+            </a:extLst>
+          </p:cNvPr>
+          <p:cNvSpPr txBox="1">
+            <a:spLocks/>
+          </p:cNvSpPr>
+          <p:nvPr/>
+        </p:nvSpPr>
+        <p:spPr>
+          <a:xfrm>
+            <a:off x="141765" y="4825276"/>
+            <a:ext cx="3811390" cy="2008319"/>
+          </a:xfrm>
+          <a:prstGeom prst="rect">
+            <a:avLst/>
+          </a:prstGeom>
+        </p:spPr>
+        <p:txBody>
+          <a:bodyPr vert="horz" lIns="91440" tIns="45720" rIns="91440" bIns="45720" rtlCol="0" anchor="ctr">
+            <a:noAutofit/>
+          </a:bodyPr>
+          <a:lstStyle>
+            <a:lvl1pPr marL="0" indent="0" algn="l" defTabSz="914400" rtl="0" eaLnBrk="1" latinLnBrk="0" hangingPunct="1">
+              <a:lnSpc>
+                <a:spcPct val="150000"/>
+              </a:lnSpc>
+              <a:spcBef>
+                <a:spcPts val="1000"/>
+              </a:spcBef>
+              <a:buFont typeface="Arial" panose="020B0604020202020204" pitchFamily="34" charset="0"/>
+              <a:buNone/>
+              <a:defRPr sz="900" kern="1200" cap="all" spc="100" baseline="0">
+                <a:solidFill>
+                  <a:schemeClr val="accent3">
+                    <a:lumMod val="75000"/>
+                  </a:schemeClr>
+                </a:solidFill>
+                <a:latin typeface="+mn-lt"/>
+                <a:ea typeface="+mn-ea"/>
+                <a:cs typeface="+mn-cs"/>
+              </a:defRPr>
+            </a:lvl1pPr>
+            <a:lvl2pPr marL="457200" indent="0" algn="l" defTabSz="914400" rtl="0" eaLnBrk="1" latinLnBrk="0" hangingPunct="1">
+              <a:lnSpc>
+                <a:spcPct val="90000"/>
+              </a:lnSpc>
+              <a:spcBef>
+                <a:spcPts val="500"/>
+              </a:spcBef>
+              <a:buFont typeface="Arial" panose="020B0604020202020204" pitchFamily="34" charset="0"/>
+              <a:buNone/>
+              <a:defRPr sz="900" kern="1200">
+                <a:solidFill>
+                  <a:schemeClr val="tx1"/>
+                </a:solidFill>
+                <a:latin typeface="+mn-lt"/>
+                <a:ea typeface="+mn-ea"/>
+                <a:cs typeface="+mn-cs"/>
+              </a:defRPr>
+            </a:lvl2pPr>
+            <a:lvl3pPr marL="914400" indent="0" algn="l" defTabSz="914400" rtl="0" eaLnBrk="1" latinLnBrk="0" hangingPunct="1">
+              <a:lnSpc>
+                <a:spcPct val="90000"/>
+              </a:lnSpc>
+              <a:spcBef>
+                <a:spcPts val="500"/>
+              </a:spcBef>
+              <a:buFont typeface="Arial" panose="020B0604020202020204" pitchFamily="34" charset="0"/>
+              <a:buNone/>
+              <a:defRPr sz="900" kern="1200">
+                <a:solidFill>
+                  <a:schemeClr val="tx1"/>
+                </a:solidFill>
+                <a:latin typeface="+mn-lt"/>
+                <a:ea typeface="+mn-ea"/>
+                <a:cs typeface="+mn-cs"/>
+              </a:defRPr>
+            </a:lvl3pPr>
+            <a:lvl4pPr marL="1371600" indent="0" algn="l" defTabSz="914400" rtl="0" eaLnBrk="1" latinLnBrk="0" hangingPunct="1">
+              <a:lnSpc>
+                <a:spcPct val="90000"/>
+              </a:lnSpc>
+              <a:spcBef>
+                <a:spcPts val="500"/>
+              </a:spcBef>
+              <a:buFont typeface="Arial" panose="020B0604020202020204" pitchFamily="34" charset="0"/>
+              <a:buNone/>
+              <a:defRPr sz="900" kern="1200">
+                <a:solidFill>
+                  <a:schemeClr val="tx1"/>
+                </a:solidFill>
+                <a:latin typeface="+mn-lt"/>
+                <a:ea typeface="+mn-ea"/>
+                <a:cs typeface="+mn-cs"/>
+              </a:defRPr>
+            </a:lvl4pPr>
+            <a:lvl5pPr marL="1828800" indent="0" algn="l" defTabSz="914400" rtl="0" eaLnBrk="1" latinLnBrk="0" hangingPunct="1">
+              <a:lnSpc>
+                <a:spcPct val="90000"/>
+              </a:lnSpc>
+              <a:spcBef>
+                <a:spcPts val="500"/>
+              </a:spcBef>
+              <a:buFont typeface="Arial" panose="020B0604020202020204" pitchFamily="34" charset="0"/>
+              <a:buNone/>
+              <a:defRPr sz="900" kern="1200">
+                <a:solidFill>
+                  <a:schemeClr val="tx1"/>
+                </a:solidFill>
+                <a:latin typeface="+mn-lt"/>
+                <a:ea typeface="+mn-ea"/>
+                <a:cs typeface="+mn-cs"/>
+              </a:defRPr>
+            </a:lvl5pPr>
+            <a:lvl6pPr marL="2514600" indent="-228600" algn="l" defTabSz="914400" rtl="0" eaLnBrk="1" latinLnBrk="0" hangingPunct="1">
+              <a:lnSpc>
+                <a:spcPct val="90000"/>
+              </a:lnSpc>
+              <a:spcBef>
+                <a:spcPts val="500"/>
+              </a:spcBef>
+              <a:buFont typeface="Arial" panose="020B0604020202020204" pitchFamily="34" charset="0"/>
+              <a:buChar char="•"/>
+              <a:defRPr sz="1800" kern="1200">
+                <a:solidFill>
+                  <a:schemeClr val="tx1"/>
+                </a:solidFill>
+                <a:latin typeface="+mn-lt"/>
+                <a:ea typeface="+mn-ea"/>
+                <a:cs typeface="+mn-cs"/>
+              </a:defRPr>
+            </a:lvl6pPr>
+            <a:lvl7pPr marL="2971800" indent="-228600" algn="l" defTabSz="914400" rtl="0" eaLnBrk="1" latinLnBrk="0" hangingPunct="1">
+              <a:lnSpc>
+                <a:spcPct val="90000"/>
+              </a:lnSpc>
+              <a:spcBef>
+                <a:spcPts val="500"/>
+              </a:spcBef>
+              <a:buFont typeface="Arial" panose="020B0604020202020204" pitchFamily="34" charset="0"/>
+              <a:buChar char="•"/>
+              <a:defRPr sz="1800" kern="1200">
+                <a:solidFill>
+                  <a:schemeClr val="tx1"/>
+                </a:solidFill>
+                <a:latin typeface="+mn-lt"/>
+                <a:ea typeface="+mn-ea"/>
+                <a:cs typeface="+mn-cs"/>
+              </a:defRPr>
+            </a:lvl7pPr>
+            <a:lvl8pPr marL="3429000" indent="-228600" algn="l" defTabSz="914400" rtl="0" eaLnBrk="1" latinLnBrk="0" hangingPunct="1">
+              <a:lnSpc>
+                <a:spcPct val="90000"/>
+              </a:lnSpc>
+              <a:spcBef>
+                <a:spcPts val="500"/>
+              </a:spcBef>
+              <a:buFont typeface="Arial" panose="020B0604020202020204" pitchFamily="34" charset="0"/>
+              <a:buChar char="•"/>
+              <a:defRPr sz="1800" kern="1200">
+                <a:solidFill>
+                  <a:schemeClr val="tx1"/>
+                </a:solidFill>
+                <a:latin typeface="+mn-lt"/>
+                <a:ea typeface="+mn-ea"/>
+                <a:cs typeface="+mn-cs"/>
+              </a:defRPr>
+            </a:lvl8pPr>
+            <a:lvl9pPr marL="3886200" indent="-228600" algn="l" defTabSz="914400" rtl="0" eaLnBrk="1" latinLnBrk="0" hangingPunct="1">
+              <a:lnSpc>
+                <a:spcPct val="90000"/>
+              </a:lnSpc>
+              <a:spcBef>
+                <a:spcPts val="500"/>
+              </a:spcBef>
+              <a:buFont typeface="Arial" panose="020B0604020202020204" pitchFamily="34" charset="0"/>
+              <a:buChar char="•"/>
+              <a:defRPr sz="1800" kern="1200">
+                <a:solidFill>
+                  <a:schemeClr val="tx1"/>
+                </a:solidFill>
+                <a:latin typeface="+mn-lt"/>
+                <a:ea typeface="+mn-ea"/>
+                <a:cs typeface="+mn-cs"/>
+              </a:defRPr>
+            </a:lvl9pPr>
+          </a:lstStyle>
+          <a:p>
             <a:r>
               <a:rPr lang="en-US" dirty="0"/>
-              <a:t>We decided to plot a dual axis chart to analyze the trend between fare and distance as per the created temperature intervals. </a:t>
-            </a:r>
-          </a:p>
-          <a:p>
+              <a:t>We have done statistical analysis between Fare and distance individually with time intervals, for different weather conditions to study if there is any relation among the variables.</a:t>
+            </a:r>
+          </a:p>
+          <a:p>
+            <a:pPr marL="171450" indent="-171450">
+              <a:buFont typeface="Arial" panose="020B0604020202020204" pitchFamily="34" charset="0"/>
+              <a:buChar char="•"/>
+            </a:pPr>
             <a:r>
               <a:rPr lang="en-US" dirty="0"/>
-              <a:t>It seems like there is some trend between the first two intervals; however, we would like to deep dive and find if there is some correlation with the help of statistical tests.  </a:t>
-            </a:r>
-          </a:p>
-          <a:p>
-            <a:endParaRPr lang="en-US" dirty="0"/>
+              <a:t>Bar and box plots for fare amount per time</a:t>
+            </a:r>
+          </a:p>
+          <a:p>
+            <a:pPr marL="171450" indent="-171450">
+              <a:buFont typeface="Arial" panose="020B0604020202020204" pitchFamily="34" charset="0"/>
+              <a:buChar char="•"/>
+            </a:pPr>
+            <a:r>
+              <a:rPr lang="en-US" dirty="0"/>
+              <a:t>Summary statistics shows shows the means and medians are very close for all fare per time intervals</a:t>
+            </a:r>
           </a:p>
         </p:txBody>
       </p:sp>
@@ -9661,39 +10092,6 @@
       </p:pic>
       <p:sp>
         <p:nvSpPr>
-          <p:cNvPr id="12" name="Text Placeholder 2">
-            <a:extLst>
-              <a:ext uri="{FF2B5EF4-FFF2-40B4-BE49-F238E27FC236}">
-                <a16:creationId xmlns:a16="http://schemas.microsoft.com/office/drawing/2014/main" id="{8A47EDE5-5E88-A042-94BE-008513CCEA4F}"/>
-              </a:ext>
-            </a:extLst>
-          </p:cNvPr>
-          <p:cNvSpPr>
-            <a:spLocks noGrp="1"/>
-          </p:cNvSpPr>
-          <p:nvPr>
-            <p:ph type="body" sz="quarter" idx="13"/>
-          </p:nvPr>
-        </p:nvSpPr>
-        <p:spPr>
-          <a:xfrm>
-            <a:off x="74323" y="-485894"/>
-            <a:ext cx="3047014" cy="1650328"/>
-          </a:xfrm>
-        </p:spPr>
-        <p:txBody>
-          <a:bodyPr/>
-          <a:lstStyle/>
-          <a:p>
-            <a:r>
-              <a:rPr lang="en-US" b="1" dirty="0"/>
-              <a:t>NULL HYPOTHESIS</a:t>
-            </a:r>
-          </a:p>
-        </p:txBody>
-      </p:sp>
-      <p:sp>
-        <p:nvSpPr>
           <p:cNvPr id="14" name="Text Placeholder 2">
             <a:extLst>
               <a:ext uri="{FF2B5EF4-FFF2-40B4-BE49-F238E27FC236}">
@@ -9970,6 +10368,84 @@
           </a:extLst>
         </p:spPr>
       </p:pic>
+      <p:sp>
+        <p:nvSpPr>
+          <p:cNvPr id="3" name="Text Placeholder 2">
+            <a:extLst>
+              <a:ext uri="{FF2B5EF4-FFF2-40B4-BE49-F238E27FC236}">
+                <a16:creationId xmlns:a16="http://schemas.microsoft.com/office/drawing/2014/main" id="{7576188F-9D8A-25E8-91BC-D69708D7305B}"/>
+              </a:ext>
+            </a:extLst>
+          </p:cNvPr>
+          <p:cNvSpPr>
+            <a:spLocks noGrp="1"/>
+          </p:cNvSpPr>
+          <p:nvPr>
+            <p:ph type="body" sz="quarter" idx="13"/>
+          </p:nvPr>
+        </p:nvSpPr>
+        <p:spPr>
+          <a:xfrm>
+            <a:off x="0" y="1374775"/>
+            <a:ext cx="4214131" cy="1651000"/>
+          </a:xfrm>
+        </p:spPr>
+        <p:txBody>
+          <a:bodyPr/>
+          <a:lstStyle/>
+          <a:p>
+            <a:r>
+              <a:rPr lang="en-US" b="1" dirty="0"/>
+              <a:t>Null hypothesis: there is no statistically significant difference in fare amount or trip distance for different time intervals.</a:t>
+            </a:r>
+          </a:p>
+          <a:p>
+            <a:r>
+              <a:rPr lang="en-US" b="1" dirty="0"/>
+              <a:t>Conclusion Fare amount: </a:t>
+            </a:r>
+            <a:r>
+              <a:rPr lang="en-US" b="1" dirty="0" err="1"/>
+              <a:t>Anova</a:t>
+            </a:r>
+            <a:r>
+              <a:rPr lang="en-US" b="1" dirty="0"/>
+              <a:t> Test P-value: 0.12.since P-value is greater than 0.05, we were unable to reject the null hypothesis. </a:t>
+            </a:r>
+          </a:p>
+          <a:p>
+            <a:endParaRPr lang="en-US" b="1" dirty="0"/>
+          </a:p>
+          <a:p>
+            <a:r>
+              <a:rPr lang="en-US" b="1" dirty="0"/>
+              <a:t>Conclusion trip distance: </a:t>
+            </a:r>
+            <a:r>
+              <a:rPr lang="en-US" b="1" dirty="0" err="1"/>
+              <a:t>Anova</a:t>
+            </a:r>
+            <a:r>
+              <a:rPr lang="en-US" b="1" dirty="0"/>
+              <a:t> Test P-value: 0.00000002&lt;0.05, we reject the the null hypothesis. For further study, we carried out one sample T-test between different avg trip distance per time intervals against the population trip distance. most showed statistically significant difference except </a:t>
+            </a:r>
+            <a:r>
+              <a:rPr lang="en-CA" b="1" dirty="0">
+                <a:effectLst/>
+                <a:latin typeface="Menlo" panose="020B0609030804020204" pitchFamily="49" charset="0"/>
+              </a:rPr>
+              <a:t>time groups 4am-7am, 7am-10am and 5pm-8pm</a:t>
+            </a:r>
+            <a:endParaRPr lang="en-CA" b="0" dirty="0">
+              <a:effectLst/>
+              <a:latin typeface="Menlo" panose="020B0609030804020204" pitchFamily="49" charset="0"/>
+            </a:endParaRPr>
+          </a:p>
+          <a:p>
+            <a:endParaRPr lang="en-US" b="1" dirty="0"/>
+          </a:p>
+        </p:txBody>
+      </p:sp>
     </p:spTree>
     <p:extLst>
       <p:ext uri="{BB962C8B-B14F-4D97-AF65-F5344CB8AC3E}">
@@ -10480,6 +10956,26 @@
 </file>
 
 <file path=customXml/item1.xml><?xml version="1.0" encoding="utf-8"?>
+<p:properties xmlns:p="http://schemas.microsoft.com/office/2006/metadata/properties" xmlns:xsi="http://www.w3.org/2001/XMLSchema-instance" xmlns:pc="http://schemas.microsoft.com/office/infopath/2007/PartnerControls">
+  <documentManagement>
+    <_ip_UnifiedCompliancePolicyUIAction xmlns="http://schemas.microsoft.com/sharepoint/v3" xsi:nil="true"/>
+    <Image xmlns="71af3243-3dd4-4a8d-8c0d-dd76da1f02a5">
+      <Url xsi:nil="true"/>
+      <Description xsi:nil="true"/>
+    </Image>
+    <Status xmlns="71af3243-3dd4-4a8d-8c0d-dd76da1f02a5">Not started</Status>
+    <Background xmlns="71af3243-3dd4-4a8d-8c0d-dd76da1f02a5">false</Background>
+    <_ip_UnifiedCompliancePolicyProperties xmlns="http://schemas.microsoft.com/sharepoint/v3" xsi:nil="true"/>
+    <ImageTagsTaxHTField xmlns="71af3243-3dd4-4a8d-8c0d-dd76da1f02a5">
+      <Terms xmlns="http://schemas.microsoft.com/office/infopath/2007/PartnerControls"/>
+    </ImageTagsTaxHTField>
+    <TaxCatchAll xmlns="230e9df3-be65-4c73-a93b-d1236ebd677e" xsi:nil="true"/>
+    <MediaServiceKeyPoints xmlns="71af3243-3dd4-4a8d-8c0d-dd76da1f02a5" xsi:nil="true"/>
+  </documentManagement>
+</p:properties>
+</file>
+
+<file path=customXml/item2.xml><?xml version="1.0" encoding="utf-8"?>
 <ct:contentTypeSchema xmlns:ct="http://schemas.microsoft.com/office/2006/metadata/contentType" xmlns:ma="http://schemas.microsoft.com/office/2006/metadata/properties/metaAttributes" ct:_="" ma:_="" ma:contentTypeName="Document" ma:contentTypeID="0x01010079F111ED35F8CC479449609E8A0923A6" ma:contentTypeVersion="26" ma:contentTypeDescription="Create a new document." ma:contentTypeScope="" ma:versionID="ac37c1753acd5e330d2062ccec26ea66">
   <xsd:schema xmlns:xsd="http://www.w3.org/2001/XMLSchema" xmlns:xs="http://www.w3.org/2001/XMLSchema" xmlns:p="http://schemas.microsoft.com/office/2006/metadata/properties" xmlns:ns1="http://schemas.microsoft.com/sharepoint/v3" xmlns:ns2="71af3243-3dd4-4a8d-8c0d-dd76da1f02a5" xmlns:ns3="16c05727-aa75-4e4a-9b5f-8a80a1165891" xmlns:ns4="230e9df3-be65-4c73-a93b-d1236ebd677e" targetNamespace="http://schemas.microsoft.com/office/2006/metadata/properties" ma:root="true" ma:fieldsID="3b340c7101c92c5120abd06486f94548" ns1:_="" ns2:_="" ns3:_="" ns4:_="">
     <xsd:import namespace="http://schemas.microsoft.com/sharepoint/v3"/>
@@ -10779,26 +11275,6 @@
 </ct:contentTypeSchema>
 </file>
 
-<file path=customXml/item2.xml><?xml version="1.0" encoding="utf-8"?>
-<p:properties xmlns:p="http://schemas.microsoft.com/office/2006/metadata/properties" xmlns:xsi="http://www.w3.org/2001/XMLSchema-instance" xmlns:pc="http://schemas.microsoft.com/office/infopath/2007/PartnerControls">
-  <documentManagement>
-    <_ip_UnifiedCompliancePolicyUIAction xmlns="http://schemas.microsoft.com/sharepoint/v3" xsi:nil="true"/>
-    <Image xmlns="71af3243-3dd4-4a8d-8c0d-dd76da1f02a5">
-      <Url xsi:nil="true"/>
-      <Description xsi:nil="true"/>
-    </Image>
-    <Status xmlns="71af3243-3dd4-4a8d-8c0d-dd76da1f02a5">Not started</Status>
-    <Background xmlns="71af3243-3dd4-4a8d-8c0d-dd76da1f02a5">false</Background>
-    <_ip_UnifiedCompliancePolicyProperties xmlns="http://schemas.microsoft.com/sharepoint/v3" xsi:nil="true"/>
-    <ImageTagsTaxHTField xmlns="71af3243-3dd4-4a8d-8c0d-dd76da1f02a5">
-      <Terms xmlns="http://schemas.microsoft.com/office/infopath/2007/PartnerControls"/>
-    </ImageTagsTaxHTField>
-    <TaxCatchAll xmlns="230e9df3-be65-4c73-a93b-d1236ebd677e" xsi:nil="true"/>
-    <MediaServiceKeyPoints xmlns="71af3243-3dd4-4a8d-8c0d-dd76da1f02a5" xsi:nil="true"/>
-  </documentManagement>
-</p:properties>
-</file>
-
 <file path=customXml/item3.xml><?xml version="1.0" encoding="utf-8"?>
 <?mso-contentType ?>
 <FormTemplates xmlns="http://schemas.microsoft.com/sharepoint/v3/contenttype/forms">
@@ -10809,6 +11285,18 @@
 </file>
 
 <file path=customXml/itemProps1.xml><?xml version="1.0" encoding="utf-8"?>
+<ds:datastoreItem xmlns:ds="http://schemas.openxmlformats.org/officeDocument/2006/customXml" ds:itemID="{69647463-BB85-435C-ACAF-E187D6AD5544}">
+  <ds:schemaRefs>
+    <ds:schemaRef ds:uri="http://schemas.microsoft.com/office/2006/metadata/properties"/>
+    <ds:schemaRef ds:uri="http://schemas.microsoft.com/office/infopath/2007/PartnerControls"/>
+    <ds:schemaRef ds:uri="http://schemas.microsoft.com/sharepoint/v3"/>
+    <ds:schemaRef ds:uri="71af3243-3dd4-4a8d-8c0d-dd76da1f02a5"/>
+    <ds:schemaRef ds:uri="230e9df3-be65-4c73-a93b-d1236ebd677e"/>
+  </ds:schemaRefs>
+</ds:datastoreItem>
+</file>
+
+<file path=customXml/itemProps2.xml><?xml version="1.0" encoding="utf-8"?>
 <ds:datastoreItem xmlns:ds="http://schemas.openxmlformats.org/officeDocument/2006/customXml" ds:itemID="{9DAB7211-A234-4C14-A897-00A0068F7BC1}">
   <ds:schemaRefs>
     <ds:schemaRef ds:uri="http://schemas.microsoft.com/office/2006/metadata/contentType"/>
@@ -10829,18 +11317,6 @@
 </ds:datastoreItem>
 </file>
 
-<file path=customXml/itemProps2.xml><?xml version="1.0" encoding="utf-8"?>
-<ds:datastoreItem xmlns:ds="http://schemas.openxmlformats.org/officeDocument/2006/customXml" ds:itemID="{69647463-BB85-435C-ACAF-E187D6AD5544}">
-  <ds:schemaRefs>
-    <ds:schemaRef ds:uri="http://schemas.microsoft.com/office/2006/metadata/properties"/>
-    <ds:schemaRef ds:uri="http://schemas.microsoft.com/office/infopath/2007/PartnerControls"/>
-    <ds:schemaRef ds:uri="http://schemas.microsoft.com/sharepoint/v3"/>
-    <ds:schemaRef ds:uri="71af3243-3dd4-4a8d-8c0d-dd76da1f02a5"/>
-    <ds:schemaRef ds:uri="230e9df3-be65-4c73-a93b-d1236ebd677e"/>
-  </ds:schemaRefs>
-</ds:datastoreItem>
-</file>
-
 <file path=customXml/itemProps3.xml><?xml version="1.0" encoding="utf-8"?>
 <ds:datastoreItem xmlns:ds="http://schemas.openxmlformats.org/officeDocument/2006/customXml" ds:itemID="{49688DC5-792D-46CC-A1E4-D79B0E835122}">
   <ds:schemaRefs>
